--- a/Project_3_presentation_RQ.pptx
+++ b/Project_3_presentation_RQ.pptx
@@ -26,8 +26,7 @@
     <p:sldId id="271" r:id="rId20"/>
     <p:sldId id="270" r:id="rId21"/>
     <p:sldId id="276" r:id="rId22"/>
-    <p:sldId id="268" r:id="rId23"/>
-    <p:sldId id="259" r:id="rId24"/>
+    <p:sldId id="259" r:id="rId23"/>
   </p:sldIdLst>
   <p:sldSz cx="12192000" cy="6858000"/>
   <p:notesSz cx="6858000" cy="9144000"/>
@@ -295,7 +294,7 @@
           <a:p>
             <a:fld id="{09846416-1B49-4FEC-A608-E18A5BEC0EC1}" type="datetimeFigureOut">
               <a:rPr lang="en-US" smtClean="0"/>
-              <a:t>6/8/2021</a:t>
+              <a:t>6/12/2021</a:t>
             </a:fld>
             <a:endParaRPr lang="en-US"/>
           </a:p>
@@ -495,7 +494,7 @@
           <a:p>
             <a:fld id="{09846416-1B49-4FEC-A608-E18A5BEC0EC1}" type="datetimeFigureOut">
               <a:rPr lang="en-US" smtClean="0"/>
-              <a:t>6/8/2021</a:t>
+              <a:t>6/12/2021</a:t>
             </a:fld>
             <a:endParaRPr lang="en-US"/>
           </a:p>
@@ -705,7 +704,7 @@
           <a:p>
             <a:fld id="{09846416-1B49-4FEC-A608-E18A5BEC0EC1}" type="datetimeFigureOut">
               <a:rPr lang="en-US" smtClean="0"/>
-              <a:t>6/8/2021</a:t>
+              <a:t>6/12/2021</a:t>
             </a:fld>
             <a:endParaRPr lang="en-US"/>
           </a:p>
@@ -905,7 +904,7 @@
           <a:p>
             <a:fld id="{09846416-1B49-4FEC-A608-E18A5BEC0EC1}" type="datetimeFigureOut">
               <a:rPr lang="en-US" smtClean="0"/>
-              <a:t>6/8/2021</a:t>
+              <a:t>6/12/2021</a:t>
             </a:fld>
             <a:endParaRPr lang="en-US"/>
           </a:p>
@@ -1181,7 +1180,7 @@
           <a:p>
             <a:fld id="{09846416-1B49-4FEC-A608-E18A5BEC0EC1}" type="datetimeFigureOut">
               <a:rPr lang="en-US" smtClean="0"/>
-              <a:t>6/8/2021</a:t>
+              <a:t>6/12/2021</a:t>
             </a:fld>
             <a:endParaRPr lang="en-US"/>
           </a:p>
@@ -1449,7 +1448,7 @@
           <a:p>
             <a:fld id="{09846416-1B49-4FEC-A608-E18A5BEC0EC1}" type="datetimeFigureOut">
               <a:rPr lang="en-US" smtClean="0"/>
-              <a:t>6/8/2021</a:t>
+              <a:t>6/12/2021</a:t>
             </a:fld>
             <a:endParaRPr lang="en-US"/>
           </a:p>
@@ -1864,7 +1863,7 @@
           <a:p>
             <a:fld id="{09846416-1B49-4FEC-A608-E18A5BEC0EC1}" type="datetimeFigureOut">
               <a:rPr lang="en-US" smtClean="0"/>
-              <a:t>6/8/2021</a:t>
+              <a:t>6/12/2021</a:t>
             </a:fld>
             <a:endParaRPr lang="en-US"/>
           </a:p>
@@ -2006,7 +2005,7 @@
           <a:p>
             <a:fld id="{09846416-1B49-4FEC-A608-E18A5BEC0EC1}" type="datetimeFigureOut">
               <a:rPr lang="en-US" smtClean="0"/>
-              <a:t>6/8/2021</a:t>
+              <a:t>6/12/2021</a:t>
             </a:fld>
             <a:endParaRPr lang="en-US"/>
           </a:p>
@@ -2119,7 +2118,7 @@
           <a:p>
             <a:fld id="{09846416-1B49-4FEC-A608-E18A5BEC0EC1}" type="datetimeFigureOut">
               <a:rPr lang="en-US" smtClean="0"/>
-              <a:t>6/8/2021</a:t>
+              <a:t>6/12/2021</a:t>
             </a:fld>
             <a:endParaRPr lang="en-US"/>
           </a:p>
@@ -2432,7 +2431,7 @@
           <a:p>
             <a:fld id="{09846416-1B49-4FEC-A608-E18A5BEC0EC1}" type="datetimeFigureOut">
               <a:rPr lang="en-US" smtClean="0"/>
-              <a:t>6/8/2021</a:t>
+              <a:t>6/12/2021</a:t>
             </a:fld>
             <a:endParaRPr lang="en-US"/>
           </a:p>
@@ -2721,7 +2720,7 @@
           <a:p>
             <a:fld id="{09846416-1B49-4FEC-A608-E18A5BEC0EC1}" type="datetimeFigureOut">
               <a:rPr lang="en-US" smtClean="0"/>
-              <a:t>6/8/2021</a:t>
+              <a:t>6/12/2021</a:t>
             </a:fld>
             <a:endParaRPr lang="en-US"/>
           </a:p>
@@ -2964,7 +2963,7 @@
           <a:p>
             <a:fld id="{09846416-1B49-4FEC-A608-E18A5BEC0EC1}" type="datetimeFigureOut">
               <a:rPr lang="en-US" smtClean="0"/>
-              <a:t>6/8/2021</a:t>
+              <a:t>6/12/2021</a:t>
             </a:fld>
             <a:endParaRPr lang="en-US"/>
           </a:p>
@@ -5268,7 +5267,25 @@
                 <a:ea typeface="Calibri" panose="020F0502020204030204" pitchFamily="34" charset="0"/>
                 <a:cs typeface="Times New Roman" panose="02020603050405020304" pitchFamily="18" charset="0"/>
               </a:rPr>
-              <a:t>The Strategy is more recommended to be use in a short time frame (60 days/5 min) where it shows the cumulate returns most of the time is better than holding the position for the same time frame.</a:t>
+              <a:t>The </a:t>
+            </a:r>
+            <a:r>
+              <a:rPr lang="en-US" sz="1800" dirty="0" err="1">
+                <a:effectLst/>
+                <a:latin typeface="Open Sans" panose="020B0606030504020204" pitchFamily="34" charset="0"/>
+                <a:ea typeface="Calibri" panose="020F0502020204030204" pitchFamily="34" charset="0"/>
+                <a:cs typeface="Times New Roman" panose="02020603050405020304" pitchFamily="18" charset="0"/>
+              </a:rPr>
+              <a:t>Ichimocu</a:t>
+            </a:r>
+            <a:r>
+              <a:rPr lang="en-US" sz="1800" dirty="0">
+                <a:effectLst/>
+                <a:latin typeface="Open Sans" panose="020B0606030504020204" pitchFamily="34" charset="0"/>
+                <a:ea typeface="Calibri" panose="020F0502020204030204" pitchFamily="34" charset="0"/>
+                <a:cs typeface="Times New Roman" panose="02020603050405020304" pitchFamily="18" charset="0"/>
+              </a:rPr>
+              <a:t> Strategy is more recommended to be use in a short time frame (60 days/5 min) where it shows the cumulate returns most of the time is better than holding the position for the same time frame.</a:t>
             </a:r>
             <a:endParaRPr lang="en-US" sz="1800" dirty="0">
               <a:effectLst/>
@@ -5324,7 +5341,50 @@
                 <a:ea typeface="Calibri" panose="020F0502020204030204" pitchFamily="34" charset="0"/>
                 <a:cs typeface="Times New Roman" panose="02020603050405020304" pitchFamily="18" charset="0"/>
               </a:rPr>
-              <a:t>In stocks with negative trend, the strategy can mitigate the loss compared to the one holding the position.</a:t>
+              <a:t>In stocks with negative trend, the </a:t>
+            </a:r>
+            <a:r>
+              <a:rPr lang="en-US" dirty="0" err="1">
+                <a:latin typeface="Open Sans" panose="020B0606030504020204" pitchFamily="34" charset="0"/>
+                <a:ea typeface="Calibri" panose="020F0502020204030204" pitchFamily="34" charset="0"/>
+                <a:cs typeface="Times New Roman" panose="02020603050405020304" pitchFamily="18" charset="0"/>
+              </a:rPr>
+              <a:t>I</a:t>
+            </a:r>
+            <a:r>
+              <a:rPr lang="en-US" sz="1800" dirty="0" err="1">
+                <a:effectLst/>
+                <a:latin typeface="Open Sans" panose="020B0606030504020204" pitchFamily="34" charset="0"/>
+                <a:ea typeface="Calibri" panose="020F0502020204030204" pitchFamily="34" charset="0"/>
+                <a:cs typeface="Times New Roman" panose="02020603050405020304" pitchFamily="18" charset="0"/>
+              </a:rPr>
+              <a:t>chimocu</a:t>
+            </a:r>
+            <a:r>
+              <a:rPr lang="en-US" sz="1800" dirty="0">
+                <a:effectLst/>
+                <a:latin typeface="Open Sans" panose="020B0606030504020204" pitchFamily="34" charset="0"/>
+                <a:ea typeface="Calibri" panose="020F0502020204030204" pitchFamily="34" charset="0"/>
+                <a:cs typeface="Times New Roman" panose="02020603050405020304" pitchFamily="18" charset="0"/>
+              </a:rPr>
+              <a:t> strategy can mitigate the loss compared to the holding position </a:t>
+            </a:r>
+            <a:r>
+              <a:rPr lang="en-US" dirty="0">
+                <a:latin typeface="Open Sans" panose="020B0606030504020204" pitchFamily="34" charset="0"/>
+                <a:ea typeface="Calibri" panose="020F0502020204030204" pitchFamily="34" charset="0"/>
+                <a:cs typeface="Times New Roman" panose="02020603050405020304" pitchFamily="18" charset="0"/>
+              </a:rPr>
+              <a:t>strategy</a:t>
+            </a:r>
+            <a:r>
+              <a:rPr lang="en-US" sz="1800" dirty="0">
+                <a:effectLst/>
+                <a:latin typeface="Open Sans" panose="020B0606030504020204" pitchFamily="34" charset="0"/>
+                <a:ea typeface="Calibri" panose="020F0502020204030204" pitchFamily="34" charset="0"/>
+                <a:cs typeface="Times New Roman" panose="02020603050405020304" pitchFamily="18" charset="0"/>
+              </a:rPr>
+              <a:t>.</a:t>
             </a:r>
             <a:endParaRPr lang="en-US" sz="1800" dirty="0">
               <a:effectLst/>
@@ -5795,8 +5855,8 @@
         </p:nvSpPr>
         <p:spPr>
           <a:xfrm>
-            <a:off x="876150" y="398029"/>
-            <a:ext cx="9738336" cy="7201972"/>
+            <a:off x="506874" y="290146"/>
+            <a:ext cx="9982350" cy="5539978"/>
           </a:xfrm>
           <a:prstGeom prst="rect">
             <a:avLst/>
@@ -5823,45 +5883,22 @@
           </a:p>
           <a:p>
             <a:r>
-              <a:rPr lang="en-US" dirty="0"/>
-              <a:t>Create a pool of strategies using different Price Indicators to execute an order to enter in a Long position, for the Stock(s) who has the </a:t>
-            </a:r>
-            <a:r>
-              <a:rPr lang="en-US" b="0" i="0" dirty="0">
-                <a:effectLst/>
-                <a:latin typeface="Montserrat"/>
-              </a:rPr>
-              <a:t>maximum accuracy in the sentiment analysis from a basket of selected stocks.</a:t>
-            </a:r>
-          </a:p>
-          <a:p>
-            <a:endParaRPr lang="en-US" dirty="0">
-              <a:latin typeface="Montserrat"/>
-            </a:endParaRPr>
-          </a:p>
-          <a:p>
-            <a:r>
-              <a:rPr lang="en-US" dirty="0">
-                <a:latin typeface="Montserrat"/>
-              </a:rPr>
-              <a:t>The strategies have been built using Moving Average (SMA), </a:t>
-            </a:r>
-            <a:r>
               <a:rPr lang="en-US" dirty="0">
                 <a:highlight>
                   <a:srgbClr val="FFFF00"/>
                 </a:highlight>
+              </a:rPr>
+              <a:t>Machin learning</a:t>
+            </a:r>
+            <a:r>
+              <a:rPr lang="en-US" b="0" i="0" dirty="0">
+                <a:effectLst/>
+                <a:highlight>
+                  <a:srgbClr val="FFFF00"/>
+                </a:highlight>
                 <a:latin typeface="Montserrat"/>
               </a:rPr>
-              <a:t>and Bollinger Bands (BB). </a:t>
-            </a:r>
-          </a:p>
-          <a:p>
-            <a:r>
-              <a:rPr lang="en-US" dirty="0">
-                <a:latin typeface="Montserrat"/>
-              </a:rPr>
-              <a:t>We are going to use the strategy that presents the best evaluation Metrics and cumulative return in the specific stock, i.e.: AAPLE better strategy is SMA Crossover 50/200.</a:t>
+              <a:t>.</a:t>
             </a:r>
           </a:p>
           <a:p>
@@ -5870,11 +5907,66 @@
             </a:endParaRPr>
           </a:p>
           <a:p>
+            <a:endParaRPr lang="en-US" dirty="0">
+              <a:latin typeface="Montserrat"/>
+            </a:endParaRPr>
+          </a:p>
+          <a:p>
+            <a:r>
+              <a:rPr lang="en-US" dirty="0" err="1">
+                <a:highlight>
+                  <a:srgbClr val="FFFF00"/>
+                </a:highlight>
+                <a:latin typeface="Montserrat"/>
+              </a:rPr>
+              <a:t>Algo_Trading</a:t>
+            </a:r>
+            <a:endParaRPr lang="en-US" dirty="0">
+              <a:highlight>
+                <a:srgbClr val="FFFF00"/>
+              </a:highlight>
+              <a:latin typeface="Montserrat"/>
+            </a:endParaRPr>
+          </a:p>
+          <a:p>
+            <a:r>
+              <a:rPr lang="en-US" dirty="0">
+                <a:latin typeface="Montserrat"/>
+              </a:rPr>
+              <a:t>The strategy has been built using the Conversion and Base lines from the </a:t>
+            </a:r>
+            <a:r>
+              <a:rPr lang="en-US" dirty="0" err="1">
+                <a:latin typeface="Montserrat"/>
+              </a:rPr>
+              <a:t>Ichimocu</a:t>
+            </a:r>
+            <a:r>
+              <a:rPr lang="en-US" dirty="0">
+                <a:latin typeface="Montserrat"/>
+              </a:rPr>
+              <a:t> Cloud indicator.</a:t>
+            </a:r>
+          </a:p>
+          <a:p>
+            <a:r>
+              <a:rPr lang="en-US" dirty="0">
+                <a:latin typeface="Montserrat"/>
+              </a:rPr>
+              <a:t>To evaluate the strategy, we calculated Metrics Values and cumulative returns and compared them against the Strategy of Holding the Position for the same time frame.</a:t>
+            </a:r>
+          </a:p>
+          <a:p>
+            <a:endParaRPr lang="en-US" dirty="0">
+              <a:latin typeface="Montserrat"/>
+            </a:endParaRPr>
+          </a:p>
+          <a:p>
             <a:r>
               <a:rPr lang="en-US" u="sng" dirty="0">
                 <a:latin typeface="Montserrat"/>
               </a:rPr>
-              <a:t>Strategies evaluated</a:t>
+              <a:t>Strategy evaluated</a:t>
             </a:r>
             <a:r>
               <a:rPr lang="en-US" dirty="0">
@@ -5894,18 +5986,19 @@
               <a:buChar char="•"/>
             </a:pPr>
             <a:r>
+              <a:rPr lang="en-US" dirty="0" err="1"/>
+              <a:t>Ichimocu_trend</a:t>
+            </a:r>
+            <a:r>
               <a:rPr lang="en-US" dirty="0"/>
-              <a:t>SMA Long Strategy: Crossover fast-SMA  over slow-SMA. We used Three different combinations:</a:t>
-            </a:r>
-          </a:p>
-          <a:p>
-            <a:r>
-              <a:rPr lang="en-US" dirty="0"/>
-              <a:t>fast-SMA = 50 / slow-SMA = 200, fast-SMA = 20 / slow-SMA = 70, fast-SMA = 30 / slow-SMA = 120.</a:t>
-            </a:r>
-          </a:p>
-          <a:p>
-            <a:endParaRPr lang="en-US" dirty="0"/>
+              <a:t>: </a:t>
+            </a:r>
+            <a:r>
+              <a:rPr lang="en-US" dirty="0">
+                <a:latin typeface="Montserrat"/>
+              </a:rPr>
+              <a:t>Conversion line &gt; Base line , Buy</a:t>
+            </a:r>
           </a:p>
           <a:p>
             <a:pPr marL="285750" indent="-285750">
@@ -5913,40 +6006,45 @@
               <a:buChar char="•"/>
             </a:pPr>
             <a:r>
+              <a:rPr lang="en-US" dirty="0" err="1">
+                <a:latin typeface="Montserrat"/>
+              </a:rPr>
+              <a:t>Holding_Position</a:t>
+            </a:r>
+            <a:r>
+              <a:rPr lang="en-US" dirty="0">
+                <a:latin typeface="Montserrat"/>
+              </a:rPr>
+              <a:t> : Buy (sell at the end of period)</a:t>
+            </a:r>
+            <a:endParaRPr lang="en-US" dirty="0"/>
+          </a:p>
+          <a:p>
+            <a:pPr marL="285750" indent="-285750">
+              <a:buFont typeface="Arial" panose="020B0604020202020204" pitchFamily="34" charset="0"/>
+              <a:buChar char="•"/>
+            </a:pPr>
+            <a:r>
               <a:rPr lang="en-US" dirty="0"/>
-              <a:t>Bollinger Bands: </a:t>
-            </a:r>
-            <a:r>
-              <a:rPr lang="en-US" dirty="0" err="1">
-                <a:highlight>
-                  <a:srgbClr val="FFFF00"/>
-                </a:highlight>
-              </a:rPr>
-              <a:t>iueggwuhgiw</a:t>
-            </a:r>
-            <a:r>
-              <a:rPr lang="en-US" dirty="0">
-                <a:highlight>
-                  <a:srgbClr val="FFFF00"/>
-                </a:highlight>
-              </a:rPr>
-              <a:t> </a:t>
-            </a:r>
-            <a:r>
-              <a:rPr lang="en-US" dirty="0" err="1">
-                <a:highlight>
-                  <a:srgbClr val="FFFF00"/>
-                </a:highlight>
-              </a:rPr>
-              <a:t>gutgw</a:t>
-            </a:r>
-            <a:r>
-              <a:rPr lang="en-US" dirty="0">
-                <a:highlight>
-                  <a:srgbClr val="FFFF00"/>
-                </a:highlight>
-              </a:rPr>
-              <a:t>  p9w8gw  rut[0r </a:t>
+              <a:t> We used Three different time frame:</a:t>
+            </a:r>
+          </a:p>
+          <a:p>
+            <a:r>
+              <a:rPr lang="en-US" dirty="0"/>
+              <a:t>				   60 days / 1 hour</a:t>
+            </a:r>
+          </a:p>
+          <a:p>
+            <a:r>
+              <a:rPr lang="en-US" dirty="0"/>
+              <a:t>				   6 months / 1 hour</a:t>
+            </a:r>
+          </a:p>
+          <a:p>
+            <a:r>
+              <a:rPr lang="en-US" dirty="0"/>
+              <a:t>				    5 years / 1 day</a:t>
             </a:r>
           </a:p>
           <a:p>
@@ -5955,54 +6053,6 @@
                 <a:srgbClr val="00B050"/>
               </a:solidFill>
             </a:endParaRPr>
-          </a:p>
-          <a:p>
-            <a:r>
-              <a:rPr lang="en-US" u="sng" dirty="0"/>
-              <a:t>S&amp;P500 Stocks (5 years data)</a:t>
-            </a:r>
-          </a:p>
-          <a:p>
-            <a:endParaRPr lang="en-US" dirty="0"/>
-          </a:p>
-          <a:p>
-            <a:pPr marL="285750" indent="-285750">
-              <a:buFont typeface="Arial" panose="020B0604020202020204" pitchFamily="34" charset="0"/>
-              <a:buChar char="•"/>
-            </a:pPr>
-            <a:r>
-              <a:rPr lang="en-US" dirty="0"/>
-              <a:t>AAPL, XOM, CMG, TSLA, WMT, ABNB</a:t>
-            </a:r>
-          </a:p>
-          <a:p>
-            <a:endParaRPr lang="en-US" dirty="0">
-              <a:solidFill>
-                <a:schemeClr val="accent6">
-                  <a:lumMod val="75000"/>
-                </a:schemeClr>
-              </a:solidFill>
-            </a:endParaRPr>
-          </a:p>
-          <a:p>
-            <a:endParaRPr lang="en-US" dirty="0">
-              <a:solidFill>
-                <a:srgbClr val="00B050"/>
-              </a:solidFill>
-            </a:endParaRPr>
-          </a:p>
-          <a:p>
-            <a:endParaRPr lang="en-US" dirty="0">
-              <a:solidFill>
-                <a:srgbClr val="00B050"/>
-              </a:solidFill>
-            </a:endParaRPr>
-          </a:p>
-          <a:p>
-            <a:endParaRPr lang="en-US" dirty="0"/>
-          </a:p>
-          <a:p>
-            <a:endParaRPr lang="en-US" dirty="0"/>
           </a:p>
         </p:txBody>
       </p:sp>
@@ -6380,266 +6430,6 @@
 <file path=ppt/slides/slide22.xml><?xml version="1.0" encoding="utf-8"?>
 <p:sld xmlns:a="http://schemas.openxmlformats.org/drawingml/2006/main" xmlns:r="http://schemas.openxmlformats.org/officeDocument/2006/relationships" xmlns:p="http://schemas.openxmlformats.org/presentationml/2006/main">
   <p:cSld>
-    <p:bg>
-      <p:bgPr>
-        <a:solidFill>
-          <a:schemeClr val="bg1">
-            <a:alpha val="27000"/>
-          </a:schemeClr>
-        </a:solidFill>
-        <a:effectLst/>
-      </p:bgPr>
-    </p:bg>
-    <p:spTree>
-      <p:nvGrpSpPr>
-        <p:cNvPr id="1" name=""/>
-        <p:cNvGrpSpPr/>
-        <p:nvPr/>
-      </p:nvGrpSpPr>
-      <p:grpSpPr>
-        <a:xfrm>
-          <a:off x="0" y="0"/>
-          <a:ext cx="0" cy="0"/>
-          <a:chOff x="0" y="0"/>
-          <a:chExt cx="0" cy="0"/>
-        </a:xfrm>
-      </p:grpSpPr>
-      <p:pic>
-        <p:nvPicPr>
-          <p:cNvPr id="2050" name="Picture 2" descr="Ichimoku Cloud Indicator - How to trade Ichimoku Indicator?">
-            <a:extLst>
-              <a:ext uri="{FF2B5EF4-FFF2-40B4-BE49-F238E27FC236}">
-                <a16:creationId xmlns:a16="http://schemas.microsoft.com/office/drawing/2014/main" id="{CDE4E7C5-05F8-4A2D-B58E-1441E080B578}"/>
-              </a:ext>
-            </a:extLst>
-          </p:cNvPr>
-          <p:cNvPicPr>
-            <a:picLocks noChangeAspect="1" noChangeArrowheads="1"/>
-          </p:cNvPicPr>
-          <p:nvPr/>
-        </p:nvPicPr>
-        <p:blipFill rotWithShape="1">
-          <a:blip r:embed="rId2">
-            <a:extLst>
-              <a:ext uri="{28A0092B-C50C-407E-A947-70E740481C1C}">
-                <a14:useLocalDpi xmlns:a14="http://schemas.microsoft.com/office/drawing/2010/main" val="0"/>
-              </a:ext>
-            </a:extLst>
-          </a:blip>
-          <a:srcRect l="999" t="5775" r="6072" b="12304"/>
-          <a:stretch/>
-        </p:blipFill>
-        <p:spPr bwMode="auto">
-          <a:xfrm>
-            <a:off x="0" y="791304"/>
-            <a:ext cx="11968659" cy="5275385"/>
-          </a:xfrm>
-          <a:prstGeom prst="rect">
-            <a:avLst/>
-          </a:prstGeom>
-          <a:noFill/>
-          <a:extLst>
-            <a:ext uri="{909E8E84-426E-40DD-AFC4-6F175D3DCCD1}">
-              <a14:hiddenFill xmlns:a14="http://schemas.microsoft.com/office/drawing/2010/main">
-                <a:solidFill>
-                  <a:srgbClr val="FFFFFF"/>
-                </a:solidFill>
-              </a14:hiddenFill>
-            </a:ext>
-          </a:extLst>
-        </p:spPr>
-      </p:pic>
-      <p:sp>
-        <p:nvSpPr>
-          <p:cNvPr id="2" name="CuadroTexto 1">
-            <a:extLst>
-              <a:ext uri="{FF2B5EF4-FFF2-40B4-BE49-F238E27FC236}">
-                <a16:creationId xmlns:a16="http://schemas.microsoft.com/office/drawing/2014/main" id="{84F2C52A-984D-4847-92DC-E5BED7BD5711}"/>
-              </a:ext>
-            </a:extLst>
-          </p:cNvPr>
-          <p:cNvSpPr txBox="1"/>
-          <p:nvPr/>
-        </p:nvSpPr>
-        <p:spPr>
-          <a:xfrm>
-            <a:off x="6172199" y="5572125"/>
-            <a:ext cx="5838825" cy="369332"/>
-          </a:xfrm>
-          <a:prstGeom prst="rect">
-            <a:avLst/>
-          </a:prstGeom>
-          <a:noFill/>
-        </p:spPr>
-        <p:txBody>
-          <a:bodyPr wrap="square" rtlCol="0">
-            <a:spAutoFit/>
-          </a:bodyPr>
-          <a:lstStyle/>
-          <a:p>
-            <a:r>
-              <a:rPr lang="en-US" b="1" i="0" dirty="0">
-                <a:solidFill>
-                  <a:srgbClr val="C00000"/>
-                </a:solidFill>
-                <a:effectLst/>
-                <a:latin typeface="Verdana" panose="020B0604030504040204" pitchFamily="34" charset="0"/>
-              </a:rPr>
-              <a:t>a Japanese technical analysis technique.</a:t>
-            </a:r>
-            <a:endParaRPr lang="en-US" b="1" dirty="0">
-              <a:solidFill>
-                <a:srgbClr val="C00000"/>
-              </a:solidFill>
-            </a:endParaRPr>
-          </a:p>
-        </p:txBody>
-      </p:sp>
-      <p:pic>
-        <p:nvPicPr>
-          <p:cNvPr id="6146" name="Picture 2" descr="1,007 Ninja silhouette Stock Photos, Images | Download Ninja silhouette  Pictures on Depositphotos®">
-            <a:extLst>
-              <a:ext uri="{FF2B5EF4-FFF2-40B4-BE49-F238E27FC236}">
-                <a16:creationId xmlns:a16="http://schemas.microsoft.com/office/drawing/2014/main" id="{49161AC0-505D-41DC-80A1-9ECE139DF298}"/>
-              </a:ext>
-            </a:extLst>
-          </p:cNvPr>
-          <p:cNvPicPr>
-            <a:picLocks noChangeAspect="1" noChangeArrowheads="1"/>
-          </p:cNvPicPr>
-          <p:nvPr/>
-        </p:nvPicPr>
-        <p:blipFill rotWithShape="1">
-          <a:blip r:embed="rId3">
-            <a:alphaModFix amt="18000"/>
-            <a:extLst>
-              <a:ext uri="{28A0092B-C50C-407E-A947-70E740481C1C}">
-                <a14:useLocalDpi xmlns:a14="http://schemas.microsoft.com/office/drawing/2010/main" val="0"/>
-              </a:ext>
-            </a:extLst>
-          </a:blip>
-          <a:srcRect l="12446" t="2365" r="-1418" b="-2365"/>
-          <a:stretch/>
-        </p:blipFill>
-        <p:spPr bwMode="auto">
-          <a:xfrm>
-            <a:off x="0" y="791304"/>
-            <a:ext cx="12192000" cy="5402106"/>
-          </a:xfrm>
-          <a:prstGeom prst="rect">
-            <a:avLst/>
-          </a:prstGeom>
-          <a:noFill/>
-          <a:extLst>
-            <a:ext uri="{909E8E84-426E-40DD-AFC4-6F175D3DCCD1}">
-              <a14:hiddenFill xmlns:a14="http://schemas.microsoft.com/office/drawing/2010/main">
-                <a:solidFill>
-                  <a:srgbClr val="FFFFFF"/>
-                </a:solidFill>
-              </a14:hiddenFill>
-            </a:ext>
-          </a:extLst>
-        </p:spPr>
-      </p:pic>
-    </p:spTree>
-    <p:extLst>
-      <p:ext uri="{BB962C8B-B14F-4D97-AF65-F5344CB8AC3E}">
-        <p14:creationId xmlns:p14="http://schemas.microsoft.com/office/powerpoint/2010/main" val="1608403328"/>
-      </p:ext>
-    </p:extLst>
-  </p:cSld>
-  <p:clrMapOvr>
-    <a:masterClrMapping/>
-  </p:clrMapOvr>
-  <p:timing>
-    <p:tnLst>
-      <p:par>
-        <p:cTn id="1" dur="indefinite" restart="never" nodeType="tmRoot">
-          <p:childTnLst>
-            <p:seq concurrent="1" nextAc="seek">
-              <p:cTn id="2" dur="indefinite" nodeType="mainSeq">
-                <p:childTnLst>
-                  <p:par>
-                    <p:cTn id="3" fill="hold">
-                      <p:stCondLst>
-                        <p:cond delay="indefinite"/>
-                      </p:stCondLst>
-                      <p:childTnLst>
-                        <p:par>
-                          <p:cTn id="4" fill="hold">
-                            <p:stCondLst>
-                              <p:cond delay="0"/>
-                            </p:stCondLst>
-                            <p:childTnLst>
-                              <p:par>
-                                <p:cTn id="5" presetID="20" presetClass="entr" presetSubtype="0" fill="hold" nodeType="clickEffect">
-                                  <p:stCondLst>
-                                    <p:cond delay="0"/>
-                                  </p:stCondLst>
-                                  <p:childTnLst>
-                                    <p:set>
-                                      <p:cBhvr>
-                                        <p:cTn id="6" dur="1" fill="hold">
-                                          <p:stCondLst>
-                                            <p:cond delay="0"/>
-                                          </p:stCondLst>
-                                        </p:cTn>
-                                        <p:tgtEl>
-                                          <p:spTgt spid="6146"/>
-                                        </p:tgtEl>
-                                        <p:attrNameLst>
-                                          <p:attrName>style.visibility</p:attrName>
-                                        </p:attrNameLst>
-                                      </p:cBhvr>
-                                      <p:to>
-                                        <p:strVal val="visible"/>
-                                      </p:to>
-                                    </p:set>
-                                    <p:animEffect transition="in" filter="wedge">
-                                      <p:cBhvr>
-                                        <p:cTn id="7" dur="2000"/>
-                                        <p:tgtEl>
-                                          <p:spTgt spid="6146"/>
-                                        </p:tgtEl>
-                                      </p:cBhvr>
-                                    </p:animEffect>
-                                  </p:childTnLst>
-                                </p:cTn>
-                              </p:par>
-                            </p:childTnLst>
-                          </p:cTn>
-                        </p:par>
-                      </p:childTnLst>
-                    </p:cTn>
-                  </p:par>
-                </p:childTnLst>
-              </p:cTn>
-              <p:prevCondLst>
-                <p:cond evt="onPrev" delay="0">
-                  <p:tgtEl>
-                    <p:sldTgt/>
-                  </p:tgtEl>
-                </p:cond>
-              </p:prevCondLst>
-              <p:nextCondLst>
-                <p:cond evt="onNext" delay="0">
-                  <p:tgtEl>
-                    <p:sldTgt/>
-                  </p:tgtEl>
-                </p:cond>
-              </p:nextCondLst>
-            </p:seq>
-          </p:childTnLst>
-        </p:cTn>
-      </p:par>
-    </p:tnLst>
-  </p:timing>
-</p:sld>
-</file>
-
-<file path=ppt/slides/slide23.xml><?xml version="1.0" encoding="utf-8"?>
-<p:sld xmlns:a="http://schemas.openxmlformats.org/drawingml/2006/main" xmlns:r="http://schemas.openxmlformats.org/officeDocument/2006/relationships" xmlns:p="http://schemas.openxmlformats.org/presentationml/2006/main">
-  <p:cSld>
     <p:spTree>
       <p:nvGrpSpPr>
         <p:cNvPr id="1" name=""/>
@@ -7569,7 +7359,7 @@
         </p:nvCxnSpPr>
         <p:spPr>
           <a:xfrm rot="16200000" flipH="1">
-            <a:off x="9783438" y="2781067"/>
+            <a:off x="9783438" y="2891905"/>
             <a:ext cx="609725" cy="570905"/>
           </a:xfrm>
           <a:prstGeom prst="bentConnector3">
@@ -8986,7 +8776,7 @@
         </p:nvSpPr>
         <p:spPr>
           <a:xfrm>
-            <a:off x="619125" y="324889"/>
+            <a:off x="914400" y="644997"/>
             <a:ext cx="8153400" cy="523220"/>
           </a:xfrm>
           <a:prstGeom prst="rect">
@@ -9000,6 +8790,10 @@
           </a:bodyPr>
           <a:lstStyle/>
           <a:p>
+            <a:pPr marL="457200" indent="-457200">
+              <a:buFont typeface="Arial" panose="020B0604020202020204" pitchFamily="34" charset="0"/>
+              <a:buChar char="•"/>
+            </a:pPr>
             <a:r>
               <a:rPr lang="en-US" sz="2800" dirty="0"/>
               <a:t>Strategy: </a:t>
@@ -9061,8 +8855,8 @@
         </p:nvSpPr>
         <p:spPr>
           <a:xfrm>
-            <a:off x="3638550" y="897315"/>
-            <a:ext cx="8153400" cy="523220"/>
+            <a:off x="4835768" y="1055576"/>
+            <a:ext cx="6441831" cy="523220"/>
           </a:xfrm>
           <a:prstGeom prst="rect">
             <a:avLst/>
@@ -9075,7 +8869,10 @@
           </a:bodyPr>
           <a:lstStyle/>
           <a:p>
-            <a:pPr algn="r"/>
+            <a:pPr marL="457200" indent="-457200" algn="r">
+              <a:buFont typeface="Arial" panose="020B0604020202020204" pitchFamily="34" charset="0"/>
+              <a:buChar char="•"/>
+            </a:pPr>
             <a:r>
               <a:rPr lang="en-US" sz="2800" dirty="0"/>
               <a:t>Strategy: </a:t>
@@ -9133,6 +8930,146 @@
   <p:clrMapOvr>
     <a:masterClrMapping/>
   </p:clrMapOvr>
+  <p:timing>
+    <p:tnLst>
+      <p:par>
+        <p:cTn id="1" dur="indefinite" restart="never" nodeType="tmRoot">
+          <p:childTnLst>
+            <p:seq concurrent="1" nextAc="seek">
+              <p:cTn id="2" dur="indefinite" nodeType="mainSeq">
+                <p:childTnLst>
+                  <p:par>
+                    <p:cTn id="3" fill="hold">
+                      <p:stCondLst>
+                        <p:cond delay="indefinite"/>
+                      </p:stCondLst>
+                      <p:childTnLst>
+                        <p:par>
+                          <p:cTn id="4" fill="hold">
+                            <p:stCondLst>
+                              <p:cond delay="0"/>
+                            </p:stCondLst>
+                            <p:childTnLst>
+                              <p:par>
+                                <p:cTn id="5" presetID="22" presetClass="entr" presetSubtype="8" fill="hold" grpId="0" nodeType="clickEffect">
+                                  <p:stCondLst>
+                                    <p:cond delay="0"/>
+                                  </p:stCondLst>
+                                  <p:childTnLst>
+                                    <p:set>
+                                      <p:cBhvr>
+                                        <p:cTn id="6" dur="1" fill="hold">
+                                          <p:stCondLst>
+                                            <p:cond delay="0"/>
+                                          </p:stCondLst>
+                                        </p:cTn>
+                                        <p:tgtEl>
+                                          <p:spTgt spid="2"/>
+                                        </p:tgtEl>
+                                        <p:attrNameLst>
+                                          <p:attrName>style.visibility</p:attrName>
+                                        </p:attrNameLst>
+                                      </p:cBhvr>
+                                      <p:to>
+                                        <p:strVal val="visible"/>
+                                      </p:to>
+                                    </p:set>
+                                    <p:animEffect transition="in" filter="wipe(left)">
+                                      <p:cBhvr>
+                                        <p:cTn id="7" dur="500"/>
+                                        <p:tgtEl>
+                                          <p:spTgt spid="2"/>
+                                        </p:tgtEl>
+                                      </p:cBhvr>
+                                    </p:animEffect>
+                                  </p:childTnLst>
+                                </p:cTn>
+                              </p:par>
+                            </p:childTnLst>
+                          </p:cTn>
+                        </p:par>
+                      </p:childTnLst>
+                    </p:cTn>
+                  </p:par>
+                  <p:par>
+                    <p:cTn id="8" fill="hold">
+                      <p:stCondLst>
+                        <p:cond delay="indefinite"/>
+                      </p:stCondLst>
+                      <p:childTnLst>
+                        <p:par>
+                          <p:cTn id="9" fill="hold">
+                            <p:stCondLst>
+                              <p:cond delay="0"/>
+                            </p:stCondLst>
+                            <p:childTnLst>
+                              <p:par>
+                                <p:cTn id="10" presetID="14" presetClass="entr" presetSubtype="5" fill="hold" grpId="0" nodeType="clickEffect">
+                                  <p:stCondLst>
+                                    <p:cond delay="0"/>
+                                  </p:stCondLst>
+                                  <p:childTnLst>
+                                    <p:set>
+                                      <p:cBhvr>
+                                        <p:cTn id="11" dur="1" fill="hold">
+                                          <p:stCondLst>
+                                            <p:cond delay="0"/>
+                                          </p:stCondLst>
+                                        </p:cTn>
+                                        <p:tgtEl>
+                                          <p:spTgt spid="18"/>
+                                        </p:tgtEl>
+                                        <p:attrNameLst>
+                                          <p:attrName>style.visibility</p:attrName>
+                                        </p:attrNameLst>
+                                      </p:cBhvr>
+                                      <p:to>
+                                        <p:strVal val="visible"/>
+                                      </p:to>
+                                    </p:set>
+                                    <p:animEffect transition="in" filter="randombar(vertical)">
+                                      <p:cBhvr>
+                                        <p:cTn id="12" dur="500"/>
+                                        <p:tgtEl>
+                                          <p:spTgt spid="18"/>
+                                        </p:tgtEl>
+                                      </p:cBhvr>
+                                    </p:animEffect>
+                                  </p:childTnLst>
+                                </p:cTn>
+                              </p:par>
+                            </p:childTnLst>
+                          </p:cTn>
+                        </p:par>
+                      </p:childTnLst>
+                    </p:cTn>
+                  </p:par>
+                </p:childTnLst>
+              </p:cTn>
+              <p:prevCondLst>
+                <p:cond evt="onPrev" delay="0">
+                  <p:tgtEl>
+                    <p:sldTgt/>
+                  </p:tgtEl>
+                </p:cond>
+              </p:prevCondLst>
+              <p:nextCondLst>
+                <p:cond evt="onNext" delay="0">
+                  <p:tgtEl>
+                    <p:sldTgt/>
+                  </p:tgtEl>
+                </p:cond>
+              </p:nextCondLst>
+            </p:seq>
+          </p:childTnLst>
+        </p:cTn>
+      </p:par>
+    </p:tnLst>
+    <p:bldLst>
+      <p:bldP spid="2" grpId="0"/>
+      <p:bldP spid="18" grpId="0"/>
+    </p:bldLst>
+  </p:timing>
 </p:sld>
 </file>
 
@@ -9167,8 +9104,8 @@
         </p:nvSpPr>
         <p:spPr>
           <a:xfrm>
-            <a:off x="940777" y="2033199"/>
-            <a:ext cx="6224954" cy="2031325"/>
+            <a:off x="5596304" y="1552368"/>
+            <a:ext cx="6224954" cy="2062103"/>
           </a:xfrm>
           <a:prstGeom prst="rect">
             <a:avLst/>
@@ -9182,7 +9119,10 @@
           <a:lstStyle/>
           <a:p>
             <a:r>
-              <a:rPr lang="en-US" dirty="0"/>
+              <a:rPr lang="en-US" sz="2000" b="1" dirty="0">
+                <a:latin typeface="Calibri" panose="020F0502020204030204" pitchFamily="34" charset="0"/>
+                <a:cs typeface="Calibri" panose="020F0502020204030204" pitchFamily="34" charset="0"/>
+              </a:rPr>
               <a:t>Indicator: </a:t>
             </a:r>
             <a:r>
@@ -9191,20 +9131,30 @@
                   <a:srgbClr val="000000"/>
                 </a:solidFill>
                 <a:effectLst/>
-                <a:latin typeface="Open Sans" panose="020B0606030504020204" pitchFamily="34" charset="0"/>
+                <a:latin typeface="Calibri" panose="020F0502020204030204" pitchFamily="34" charset="0"/>
                 <a:ea typeface="Calibri" panose="020F0502020204030204" pitchFamily="34" charset="0"/>
+                <a:cs typeface="Calibri" panose="020F0502020204030204" pitchFamily="34" charset="0"/>
               </a:rPr>
               <a:t>The Technical Analysis Library for Python, ta </a:t>
             </a:r>
-            <a:endParaRPr lang="en-US" dirty="0"/>
-          </a:p>
-          <a:p>
-            <a:endParaRPr lang="en-US" dirty="0"/>
-          </a:p>
-          <a:p>
-            <a:r>
-              <a:rPr lang="en-US" dirty="0"/>
-              <a:t>import </a:t>
+            <a:endParaRPr lang="en-US" dirty="0">
+              <a:latin typeface="Calibri" panose="020F0502020204030204" pitchFamily="34" charset="0"/>
+              <a:cs typeface="Calibri" panose="020F0502020204030204" pitchFamily="34" charset="0"/>
+            </a:endParaRPr>
+          </a:p>
+          <a:p>
+            <a:endParaRPr lang="en-US" dirty="0">
+              <a:latin typeface="Calibri" panose="020F0502020204030204" pitchFamily="34" charset="0"/>
+              <a:cs typeface="Calibri" panose="020F0502020204030204" pitchFamily="34" charset="0"/>
+            </a:endParaRPr>
+          </a:p>
+          <a:p>
+            <a:r>
+              <a:rPr lang="en-US" dirty="0">
+                <a:latin typeface="Calibri" panose="020F0502020204030204" pitchFamily="34" charset="0"/>
+                <a:cs typeface="Calibri" panose="020F0502020204030204" pitchFamily="34" charset="0"/>
+              </a:rPr>
+              <a:t>	import </a:t>
             </a:r>
             <a:r>
               <a:rPr lang="en-US" sz="1800" dirty="0">
@@ -9212,37 +9162,58 @@
                   <a:srgbClr val="000000"/>
                 </a:solidFill>
                 <a:effectLst/>
-                <a:latin typeface="Open Sans" panose="020B0606030504020204" pitchFamily="34" charset="0"/>
+                <a:latin typeface="Calibri" panose="020F0502020204030204" pitchFamily="34" charset="0"/>
                 <a:ea typeface="Calibri" panose="020F0502020204030204" pitchFamily="34" charset="0"/>
+                <a:cs typeface="Calibri" panose="020F0502020204030204" pitchFamily="34" charset="0"/>
               </a:rPr>
               <a:t>ta </a:t>
             </a:r>
-            <a:endParaRPr lang="en-US" dirty="0"/>
-          </a:p>
-          <a:p>
-            <a:r>
-              <a:rPr lang="en-US" dirty="0"/>
-              <a:t>from ta import </a:t>
-            </a:r>
-            <a:r>
-              <a:rPr lang="en-US" dirty="0" err="1"/>
+            <a:endParaRPr lang="en-US" dirty="0">
+              <a:latin typeface="Calibri" panose="020F0502020204030204" pitchFamily="34" charset="0"/>
+              <a:cs typeface="Calibri" panose="020F0502020204030204" pitchFamily="34" charset="0"/>
+            </a:endParaRPr>
+          </a:p>
+          <a:p>
+            <a:r>
+              <a:rPr lang="en-US" dirty="0">
+                <a:latin typeface="Calibri" panose="020F0502020204030204" pitchFamily="34" charset="0"/>
+                <a:cs typeface="Calibri" panose="020F0502020204030204" pitchFamily="34" charset="0"/>
+              </a:rPr>
+              <a:t>	from ta import </a:t>
+            </a:r>
+            <a:r>
+              <a:rPr lang="en-US" dirty="0" err="1">
+                <a:latin typeface="Calibri" panose="020F0502020204030204" pitchFamily="34" charset="0"/>
+                <a:cs typeface="Calibri" panose="020F0502020204030204" pitchFamily="34" charset="0"/>
+              </a:rPr>
               <a:t>add_all_ta_features</a:t>
             </a:r>
-            <a:endParaRPr lang="en-US" dirty="0"/>
-          </a:p>
-          <a:p>
-            <a:endParaRPr lang="en-US" dirty="0"/>
-          </a:p>
-          <a:p>
-            <a:r>
-              <a:rPr lang="en-US" dirty="0"/>
-              <a:t>To get: </a:t>
+            <a:endParaRPr lang="en-US" dirty="0">
+              <a:latin typeface="Calibri" panose="020F0502020204030204" pitchFamily="34" charset="0"/>
+              <a:cs typeface="Calibri" panose="020F0502020204030204" pitchFamily="34" charset="0"/>
+            </a:endParaRPr>
+          </a:p>
+          <a:p>
+            <a:endParaRPr lang="en-US" dirty="0">
+              <a:latin typeface="Calibri" panose="020F0502020204030204" pitchFamily="34" charset="0"/>
+              <a:cs typeface="Calibri" panose="020F0502020204030204" pitchFamily="34" charset="0"/>
+            </a:endParaRPr>
+          </a:p>
+          <a:p>
+            <a:r>
+              <a:rPr lang="en-US" dirty="0">
+                <a:latin typeface="Calibri" panose="020F0502020204030204" pitchFamily="34" charset="0"/>
+                <a:cs typeface="Calibri" panose="020F0502020204030204" pitchFamily="34" charset="0"/>
+              </a:rPr>
+              <a:t>	To get: </a:t>
             </a:r>
             <a:r>
               <a:rPr lang="en-US" sz="1800" dirty="0" err="1">
                 <a:solidFill>
                   <a:srgbClr val="FF00FF"/>
                 </a:solidFill>
+                <a:latin typeface="Calibri" panose="020F0502020204030204" pitchFamily="34" charset="0"/>
+                <a:cs typeface="Calibri" panose="020F0502020204030204" pitchFamily="34" charset="0"/>
               </a:rPr>
               <a:t>Tenkan</a:t>
             </a:r>
@@ -9251,32 +9222,48 @@
                 <a:solidFill>
                   <a:srgbClr val="FF00FF"/>
                 </a:solidFill>
+                <a:latin typeface="Calibri" panose="020F0502020204030204" pitchFamily="34" charset="0"/>
+                <a:cs typeface="Calibri" panose="020F0502020204030204" pitchFamily="34" charset="0"/>
               </a:rPr>
               <a:t> line</a:t>
             </a:r>
             <a:r>
-              <a:rPr lang="en-US" dirty="0"/>
+              <a:rPr lang="en-US" dirty="0">
+                <a:latin typeface="Calibri" panose="020F0502020204030204" pitchFamily="34" charset="0"/>
+                <a:cs typeface="Calibri" panose="020F0502020204030204" pitchFamily="34" charset="0"/>
+              </a:rPr>
               <a:t> '</a:t>
             </a:r>
             <a:r>
-              <a:rPr lang="en-US" dirty="0" err="1"/>
+              <a:rPr lang="en-US" dirty="0" err="1">
+                <a:latin typeface="Calibri" panose="020F0502020204030204" pitchFamily="34" charset="0"/>
+                <a:cs typeface="Calibri" panose="020F0502020204030204" pitchFamily="34" charset="0"/>
+              </a:rPr>
               <a:t>trend_ichimoku_a</a:t>
             </a:r>
             <a:r>
-              <a:rPr lang="en-US" dirty="0"/>
+              <a:rPr lang="en-US" dirty="0">
+                <a:latin typeface="Calibri" panose="020F0502020204030204" pitchFamily="34" charset="0"/>
+                <a:cs typeface="Calibri" panose="020F0502020204030204" pitchFamily="34" charset="0"/>
+              </a:rPr>
               <a:t>’,</a:t>
             </a:r>
           </a:p>
           <a:p>
             <a:r>
-              <a:rPr lang="en-US" dirty="0"/>
-              <a:t>             </a:t>
+              <a:rPr lang="en-US" dirty="0">
+                <a:latin typeface="Calibri" panose="020F0502020204030204" pitchFamily="34" charset="0"/>
+                <a:cs typeface="Calibri" panose="020F0502020204030204" pitchFamily="34" charset="0"/>
+              </a:rPr>
+              <a:t>             	             </a:t>
             </a:r>
             <a:r>
               <a:rPr lang="en-US" sz="1800" dirty="0" err="1">
                 <a:solidFill>
                   <a:srgbClr val="FF0000"/>
                 </a:solidFill>
+                <a:latin typeface="Calibri" panose="020F0502020204030204" pitchFamily="34" charset="0"/>
+                <a:cs typeface="Calibri" panose="020F0502020204030204" pitchFamily="34" charset="0"/>
               </a:rPr>
               <a:t>Kijun</a:t>
             </a:r>
@@ -9285,19 +9272,30 @@
                 <a:solidFill>
                   <a:srgbClr val="FF0000"/>
                 </a:solidFill>
+                <a:latin typeface="Calibri" panose="020F0502020204030204" pitchFamily="34" charset="0"/>
+                <a:cs typeface="Calibri" panose="020F0502020204030204" pitchFamily="34" charset="0"/>
               </a:rPr>
               <a:t> Line </a:t>
             </a:r>
             <a:r>
-              <a:rPr lang="en-US" dirty="0"/>
+              <a:rPr lang="en-US" dirty="0">
+                <a:latin typeface="Calibri" panose="020F0502020204030204" pitchFamily="34" charset="0"/>
+                <a:cs typeface="Calibri" panose="020F0502020204030204" pitchFamily="34" charset="0"/>
+              </a:rPr>
               <a:t>'</a:t>
             </a:r>
             <a:r>
-              <a:rPr lang="en-US" dirty="0" err="1"/>
+              <a:rPr lang="en-US" dirty="0" err="1">
+                <a:latin typeface="Calibri" panose="020F0502020204030204" pitchFamily="34" charset="0"/>
+                <a:cs typeface="Calibri" panose="020F0502020204030204" pitchFamily="34" charset="0"/>
+              </a:rPr>
               <a:t>trend_ichimoku_b</a:t>
             </a:r>
             <a:r>
-              <a:rPr lang="en-US" dirty="0"/>
+              <a:rPr lang="en-US" dirty="0">
+                <a:latin typeface="Calibri" panose="020F0502020204030204" pitchFamily="34" charset="0"/>
+                <a:cs typeface="Calibri" panose="020F0502020204030204" pitchFamily="34" charset="0"/>
+              </a:rPr>
               <a:t>'</a:t>
             </a:r>
           </a:p>
@@ -9317,8 +9315,8 @@
         </p:nvSpPr>
         <p:spPr>
           <a:xfrm>
-            <a:off x="940777" y="1002323"/>
-            <a:ext cx="2540977" cy="923330"/>
+            <a:off x="962014" y="1910440"/>
+            <a:ext cx="4897315" cy="1508105"/>
           </a:xfrm>
           <a:prstGeom prst="rect">
             <a:avLst/>
@@ -9332,31 +9330,77 @@
           <a:lstStyle/>
           <a:p>
             <a:r>
-              <a:rPr lang="en-US" dirty="0"/>
-              <a:t>Data: Yahoo! Finance                                                                     </a:t>
-            </a:r>
-          </a:p>
-          <a:p>
-            <a:endParaRPr lang="en-US" dirty="0"/>
-          </a:p>
-          <a:p>
-            <a:r>
-              <a:rPr lang="en-US" dirty="0"/>
-              <a:t>import </a:t>
-            </a:r>
-            <a:r>
-              <a:rPr lang="en-US" dirty="0" err="1"/>
+              <a:rPr lang="en-US" sz="2000" b="1" dirty="0">
+                <a:latin typeface="Calibri" panose="020F0502020204030204" pitchFamily="34" charset="0"/>
+                <a:cs typeface="Calibri" panose="020F0502020204030204" pitchFamily="34" charset="0"/>
+              </a:rPr>
+              <a:t>Data: 	</a:t>
+            </a:r>
+            <a:r>
+              <a:rPr lang="en-US" dirty="0">
+                <a:solidFill>
+                  <a:srgbClr val="000000"/>
+                </a:solidFill>
+                <a:latin typeface="Calibri" panose="020F0502020204030204" pitchFamily="34" charset="0"/>
+                <a:cs typeface="Calibri" panose="020F0502020204030204" pitchFamily="34" charset="0"/>
+              </a:rPr>
+              <a:t>Yahoo! Finance Library                                                                    </a:t>
+            </a:r>
+          </a:p>
+          <a:p>
+            <a:endParaRPr lang="en-US" dirty="0">
+              <a:latin typeface="Calibri" panose="020F0502020204030204" pitchFamily="34" charset="0"/>
+              <a:cs typeface="Calibri" panose="020F0502020204030204" pitchFamily="34" charset="0"/>
+            </a:endParaRPr>
+          </a:p>
+          <a:p>
+            <a:r>
+              <a:rPr lang="en-US" dirty="0">
+                <a:latin typeface="Calibri" panose="020F0502020204030204" pitchFamily="34" charset="0"/>
+                <a:cs typeface="Calibri" panose="020F0502020204030204" pitchFamily="34" charset="0"/>
+              </a:rPr>
+              <a:t>	import </a:t>
+            </a:r>
+            <a:r>
+              <a:rPr lang="en-US" dirty="0" err="1">
+                <a:latin typeface="Calibri" panose="020F0502020204030204" pitchFamily="34" charset="0"/>
+                <a:cs typeface="Calibri" panose="020F0502020204030204" pitchFamily="34" charset="0"/>
+              </a:rPr>
               <a:t>yfinance</a:t>
             </a:r>
             <a:r>
-              <a:rPr lang="en-US" dirty="0"/>
+              <a:rPr lang="en-US" dirty="0">
+                <a:latin typeface="Calibri" panose="020F0502020204030204" pitchFamily="34" charset="0"/>
+                <a:cs typeface="Calibri" panose="020F0502020204030204" pitchFamily="34" charset="0"/>
+              </a:rPr>
               <a:t> as </a:t>
             </a:r>
             <a:r>
-              <a:rPr lang="en-US" dirty="0" err="1"/>
+              <a:rPr lang="en-US" dirty="0" err="1">
+                <a:latin typeface="Calibri" panose="020F0502020204030204" pitchFamily="34" charset="0"/>
+                <a:cs typeface="Calibri" panose="020F0502020204030204" pitchFamily="34" charset="0"/>
+              </a:rPr>
               <a:t>yf</a:t>
             </a:r>
-            <a:endParaRPr lang="en-US" dirty="0"/>
+            <a:endParaRPr lang="en-US" dirty="0">
+              <a:latin typeface="Calibri" panose="020F0502020204030204" pitchFamily="34" charset="0"/>
+              <a:cs typeface="Calibri" panose="020F0502020204030204" pitchFamily="34" charset="0"/>
+            </a:endParaRPr>
+          </a:p>
+          <a:p>
+            <a:endParaRPr lang="en-US" dirty="0">
+              <a:latin typeface="Calibri" panose="020F0502020204030204" pitchFamily="34" charset="0"/>
+              <a:cs typeface="Calibri" panose="020F0502020204030204" pitchFamily="34" charset="0"/>
+            </a:endParaRPr>
+          </a:p>
+          <a:p>
+            <a:r>
+              <a:rPr lang="en-US" dirty="0">
+                <a:latin typeface="Calibri" panose="020F0502020204030204" pitchFamily="34" charset="0"/>
+                <a:cs typeface="Calibri" panose="020F0502020204030204" pitchFamily="34" charset="0"/>
+              </a:rPr>
+              <a:t>	to get: Date, Close, High, Low</a:t>
+            </a:r>
           </a:p>
         </p:txBody>
       </p:sp>
@@ -9374,8 +9418,8 @@
         </p:nvSpPr>
         <p:spPr>
           <a:xfrm>
-            <a:off x="1178169" y="3962852"/>
-            <a:ext cx="8748346" cy="2031325"/>
+            <a:off x="729761" y="4318236"/>
+            <a:ext cx="10893670" cy="1754326"/>
           </a:xfrm>
           <a:prstGeom prst="rect">
             <a:avLst/>
@@ -9388,18 +9432,25 @@
           </a:bodyPr>
           <a:lstStyle/>
           <a:p>
-            <a:endParaRPr lang="en-US" dirty="0"/>
-          </a:p>
-          <a:p>
-            <a:endParaRPr lang="en-US" dirty="0"/>
-          </a:p>
-          <a:p>
-            <a:r>
-              <a:rPr lang="en-US" dirty="0"/>
-              <a:t>Main condition on the Code:       </a:t>
-            </a:r>
-            <a:r>
-              <a:rPr lang="en-US" sz="1800" dirty="0"/>
+            <a:r>
+              <a:rPr lang="en-US" b="1" dirty="0">
+                <a:latin typeface="Calibri" panose="020F0502020204030204" pitchFamily="34" charset="0"/>
+                <a:cs typeface="Calibri" panose="020F0502020204030204" pitchFamily="34" charset="0"/>
+              </a:rPr>
+              <a:t>Main condition on the Code: </a:t>
+            </a:r>
+            <a:r>
+              <a:rPr lang="en-US" dirty="0">
+                <a:latin typeface="Calibri" panose="020F0502020204030204" pitchFamily="34" charset="0"/>
+                <a:cs typeface="Calibri" panose="020F0502020204030204" pitchFamily="34" charset="0"/>
+              </a:rPr>
+              <a:t>      </a:t>
+            </a:r>
+            <a:r>
+              <a:rPr lang="en-US" sz="1800" dirty="0">
+                <a:latin typeface="Calibri" panose="020F0502020204030204" pitchFamily="34" charset="0"/>
+                <a:cs typeface="Calibri" panose="020F0502020204030204" pitchFamily="34" charset="0"/>
+              </a:rPr>
               <a:t>Strategy: (</a:t>
             </a:r>
             <a:r>
@@ -9407,6 +9458,8 @@
                 <a:solidFill>
                   <a:srgbClr val="FF00FF"/>
                 </a:solidFill>
+                <a:latin typeface="Calibri" panose="020F0502020204030204" pitchFamily="34" charset="0"/>
+                <a:cs typeface="Calibri" panose="020F0502020204030204" pitchFamily="34" charset="0"/>
               </a:rPr>
               <a:t>Tenkan</a:t>
             </a:r>
@@ -9415,11 +9468,16 @@
                 <a:solidFill>
                   <a:srgbClr val="FF00FF"/>
                 </a:solidFill>
+                <a:latin typeface="Calibri" panose="020F0502020204030204" pitchFamily="34" charset="0"/>
+                <a:cs typeface="Calibri" panose="020F0502020204030204" pitchFamily="34" charset="0"/>
               </a:rPr>
               <a:t> line </a:t>
             </a:r>
             <a:r>
-              <a:rPr lang="en-US" sz="1800" dirty="0"/>
+              <a:rPr lang="en-US" sz="1800" dirty="0">
+                <a:latin typeface="Calibri" panose="020F0502020204030204" pitchFamily="34" charset="0"/>
+                <a:cs typeface="Calibri" panose="020F0502020204030204" pitchFamily="34" charset="0"/>
+              </a:rPr>
               <a:t>&gt; </a:t>
             </a:r>
             <a:r>
@@ -9427,6 +9485,8 @@
                 <a:solidFill>
                   <a:srgbClr val="FF0000"/>
                 </a:solidFill>
+                <a:latin typeface="Calibri" panose="020F0502020204030204" pitchFamily="34" charset="0"/>
+                <a:cs typeface="Calibri" panose="020F0502020204030204" pitchFamily="34" charset="0"/>
               </a:rPr>
               <a:t>Kijun</a:t>
             </a:r>
@@ -9435,83 +9495,487 @@
                 <a:solidFill>
                   <a:srgbClr val="FF0000"/>
                 </a:solidFill>
+                <a:latin typeface="Calibri" panose="020F0502020204030204" pitchFamily="34" charset="0"/>
+                <a:cs typeface="Calibri" panose="020F0502020204030204" pitchFamily="34" charset="0"/>
               </a:rPr>
               <a:t> Line</a:t>
             </a:r>
             <a:r>
-              <a:rPr lang="en-US" sz="1800" dirty="0"/>
+              <a:rPr lang="en-US" sz="1800" dirty="0">
+                <a:latin typeface="Calibri" panose="020F0502020204030204" pitchFamily="34" charset="0"/>
+                <a:cs typeface="Calibri" panose="020F0502020204030204" pitchFamily="34" charset="0"/>
+              </a:rPr>
               <a:t>, Buy, Sell)</a:t>
             </a:r>
           </a:p>
           <a:p>
-            <a:endParaRPr lang="en-US" dirty="0"/>
-          </a:p>
-          <a:p>
-            <a:endParaRPr lang="en-US" dirty="0"/>
-          </a:p>
-          <a:p>
-            <a:r>
-              <a:rPr lang="en-US" dirty="0" err="1"/>
+            <a:endParaRPr lang="en-US" dirty="0">
+              <a:latin typeface="Calibri" panose="020F0502020204030204" pitchFamily="34" charset="0"/>
+              <a:cs typeface="Calibri" panose="020F0502020204030204" pitchFamily="34" charset="0"/>
+            </a:endParaRPr>
+          </a:p>
+          <a:p>
+            <a:r>
+              <a:rPr lang="en-US" dirty="0" err="1">
+                <a:latin typeface="Calibri" panose="020F0502020204030204" pitchFamily="34" charset="0"/>
+                <a:cs typeface="Calibri" panose="020F0502020204030204" pitchFamily="34" charset="0"/>
+              </a:rPr>
               <a:t>signals_df</a:t>
             </a:r>
             <a:r>
-              <a:rPr lang="en-US" dirty="0"/>
+              <a:rPr lang="en-US" dirty="0">
+                <a:latin typeface="Calibri" panose="020F0502020204030204" pitchFamily="34" charset="0"/>
+                <a:cs typeface="Calibri" panose="020F0502020204030204" pitchFamily="34" charset="0"/>
+              </a:rPr>
               <a:t>['</a:t>
             </a:r>
             <a:r>
-              <a:rPr lang="en-US" dirty="0" err="1"/>
+              <a:rPr lang="en-US" dirty="0" err="1">
+                <a:latin typeface="Calibri" panose="020F0502020204030204" pitchFamily="34" charset="0"/>
+                <a:cs typeface="Calibri" panose="020F0502020204030204" pitchFamily="34" charset="0"/>
+              </a:rPr>
               <a:t>trend_ichimoku</a:t>
             </a:r>
             <a:r>
-              <a:rPr lang="en-US" dirty="0"/>
+              <a:rPr lang="en-US" dirty="0">
+                <a:latin typeface="Calibri" panose="020F0502020204030204" pitchFamily="34" charset="0"/>
+                <a:cs typeface="Calibri" panose="020F0502020204030204" pitchFamily="34" charset="0"/>
+              </a:rPr>
               <a:t>'] = </a:t>
             </a:r>
             <a:r>
-              <a:rPr lang="en-US" dirty="0" err="1"/>
+              <a:rPr lang="en-US" dirty="0" err="1">
+                <a:latin typeface="Calibri" panose="020F0502020204030204" pitchFamily="34" charset="0"/>
+                <a:cs typeface="Calibri" panose="020F0502020204030204" pitchFamily="34" charset="0"/>
+              </a:rPr>
               <a:t>np.where</a:t>
             </a:r>
             <a:r>
-              <a:rPr lang="en-US" dirty="0"/>
+              <a:rPr lang="en-US" dirty="0">
+                <a:latin typeface="Calibri" panose="020F0502020204030204" pitchFamily="34" charset="0"/>
+                <a:cs typeface="Calibri" panose="020F0502020204030204" pitchFamily="34" charset="0"/>
+              </a:rPr>
               <a:t>(</a:t>
             </a:r>
-          </a:p>
-          <a:p>
-            <a:r>
-              <a:rPr lang="en-US" dirty="0"/>
+            <a:r>
+              <a:rPr lang="en-US" dirty="0" err="1">
+                <a:latin typeface="Calibri" panose="020F0502020204030204" pitchFamily="34" charset="0"/>
+                <a:cs typeface="Calibri" panose="020F0502020204030204" pitchFamily="34" charset="0"/>
+              </a:rPr>
+              <a:t>signals_df</a:t>
+            </a:r>
+            <a:r>
+              <a:rPr lang="en-US" dirty="0">
+                <a:latin typeface="Calibri" panose="020F0502020204030204" pitchFamily="34" charset="0"/>
+                <a:cs typeface="Calibri" panose="020F0502020204030204" pitchFamily="34" charset="0"/>
+              </a:rPr>
+              <a:t>['</a:t>
+            </a:r>
+            <a:r>
+              <a:rPr lang="en-US" dirty="0" err="1">
+                <a:latin typeface="Calibri" panose="020F0502020204030204" pitchFamily="34" charset="0"/>
+                <a:cs typeface="Calibri" panose="020F0502020204030204" pitchFamily="34" charset="0"/>
+              </a:rPr>
+              <a:t>trend_ichimoku_a</a:t>
+            </a:r>
+            <a:r>
+              <a:rPr lang="en-US" dirty="0">
+                <a:latin typeface="Calibri" panose="020F0502020204030204" pitchFamily="34" charset="0"/>
+                <a:cs typeface="Calibri" panose="020F0502020204030204" pitchFamily="34" charset="0"/>
+              </a:rPr>
+              <a:t>'] &gt; </a:t>
+            </a:r>
+            <a:r>
+              <a:rPr lang="en-US" dirty="0" err="1">
+                <a:latin typeface="Calibri" panose="020F0502020204030204" pitchFamily="34" charset="0"/>
+                <a:cs typeface="Calibri" panose="020F0502020204030204" pitchFamily="34" charset="0"/>
+              </a:rPr>
+              <a:t>signals_df</a:t>
+            </a:r>
+            <a:r>
+              <a:rPr lang="en-US" dirty="0">
+                <a:latin typeface="Calibri" panose="020F0502020204030204" pitchFamily="34" charset="0"/>
+                <a:cs typeface="Calibri" panose="020F0502020204030204" pitchFamily="34" charset="0"/>
+              </a:rPr>
+              <a:t>['</a:t>
+            </a:r>
+            <a:r>
+              <a:rPr lang="en-US" dirty="0" err="1">
+                <a:latin typeface="Calibri" panose="020F0502020204030204" pitchFamily="34" charset="0"/>
+                <a:cs typeface="Calibri" panose="020F0502020204030204" pitchFamily="34" charset="0"/>
+              </a:rPr>
+              <a:t>trend_ichimoku_b</a:t>
+            </a:r>
+            <a:r>
+              <a:rPr lang="en-US" dirty="0">
+                <a:latin typeface="Calibri" panose="020F0502020204030204" pitchFamily="34" charset="0"/>
+                <a:cs typeface="Calibri" panose="020F0502020204030204" pitchFamily="34" charset="0"/>
+              </a:rPr>
+              <a:t>'], 1.0, 0.0)</a:t>
+            </a:r>
+          </a:p>
+          <a:p>
+            <a:endParaRPr lang="en-US" dirty="0">
+              <a:latin typeface="Calibri" panose="020F0502020204030204" pitchFamily="34" charset="0"/>
+              <a:cs typeface="Calibri" panose="020F0502020204030204" pitchFamily="34" charset="0"/>
+            </a:endParaRPr>
+          </a:p>
+          <a:p>
+            <a:r>
+              <a:rPr lang="en-US" dirty="0">
+                <a:latin typeface="Calibri" panose="020F0502020204030204" pitchFamily="34" charset="0"/>
+                <a:cs typeface="Calibri" panose="020F0502020204030204" pitchFamily="34" charset="0"/>
+              </a:rPr>
+              <a:t>			</a:t>
+            </a:r>
+            <a:r>
+              <a:rPr lang="en-US" b="1" dirty="0">
+                <a:latin typeface="Calibri" panose="020F0502020204030204" pitchFamily="34" charset="0"/>
+                <a:cs typeface="Calibri" panose="020F0502020204030204" pitchFamily="34" charset="0"/>
+              </a:rPr>
+              <a:t>Calculate</a:t>
+            </a:r>
+            <a:r>
+              <a:rPr lang="en-US" dirty="0">
+                <a:latin typeface="Calibri" panose="020F0502020204030204" pitchFamily="34" charset="0"/>
+                <a:cs typeface="Calibri" panose="020F0502020204030204" pitchFamily="34" charset="0"/>
+              </a:rPr>
+              <a:t>:  </a:t>
+            </a:r>
+            <a:r>
+              <a:rPr lang="en-US" dirty="0" err="1">
+                <a:latin typeface="Calibri" panose="020F0502020204030204" pitchFamily="34" charset="0"/>
+                <a:cs typeface="Calibri" panose="020F0502020204030204" pitchFamily="34" charset="0"/>
+              </a:rPr>
+              <a:t>Backtest</a:t>
+            </a:r>
+            <a:r>
+              <a:rPr lang="en-US" dirty="0">
+                <a:latin typeface="Calibri" panose="020F0502020204030204" pitchFamily="34" charset="0"/>
+                <a:cs typeface="Calibri" panose="020F0502020204030204" pitchFamily="34" charset="0"/>
+              </a:rPr>
+              <a:t> - Cumulate Returns - Metrics</a:t>
+            </a:r>
+          </a:p>
+          <a:p>
+            <a:r>
+              <a:rPr lang="en-US" dirty="0">
+                <a:latin typeface="Calibri" panose="020F0502020204030204" pitchFamily="34" charset="0"/>
+                <a:cs typeface="Calibri" panose="020F0502020204030204" pitchFamily="34" charset="0"/>
+              </a:rPr>
               <a:t>    </a:t>
             </a:r>
-            <a:r>
-              <a:rPr lang="en-US" dirty="0" err="1"/>
-              <a:t>signals_df</a:t>
-            </a:r>
-            <a:r>
-              <a:rPr lang="en-US" dirty="0"/>
-              <a:t>['</a:t>
-            </a:r>
-            <a:r>
-              <a:rPr lang="en-US" dirty="0" err="1"/>
-              <a:t>trend_ichimoku_a</a:t>
-            </a:r>
-            <a:r>
-              <a:rPr lang="en-US" dirty="0"/>
-              <a:t>'] &gt; </a:t>
-            </a:r>
-            <a:r>
-              <a:rPr lang="en-US" dirty="0" err="1"/>
-              <a:t>signals_df</a:t>
-            </a:r>
-            <a:r>
-              <a:rPr lang="en-US" dirty="0"/>
-              <a:t>['</a:t>
-            </a:r>
-            <a:r>
-              <a:rPr lang="en-US" dirty="0" err="1"/>
-              <a:t>trend_ichimoku_b</a:t>
-            </a:r>
-            <a:r>
-              <a:rPr lang="en-US" dirty="0"/>
-              <a:t>'], 1.0, 0.0)</a:t>
-            </a:r>
+          </a:p>
+        </p:txBody>
+      </p:sp>
+      <p:sp>
+        <p:nvSpPr>
+          <p:cNvPr id="6" name="CuadroTexto 5">
+            <a:extLst>
+              <a:ext uri="{FF2B5EF4-FFF2-40B4-BE49-F238E27FC236}">
+                <a16:creationId xmlns:a16="http://schemas.microsoft.com/office/drawing/2014/main" id="{F4E79640-023A-4A52-B95A-CE4929D4F63B}"/>
+              </a:ext>
+            </a:extLst>
+          </p:cNvPr>
+          <p:cNvSpPr txBox="1"/>
+          <p:nvPr/>
+        </p:nvSpPr>
+        <p:spPr>
+          <a:xfrm>
+            <a:off x="613264" y="931096"/>
+            <a:ext cx="6097464" cy="400110"/>
+          </a:xfrm>
+          <a:prstGeom prst="rect">
+            <a:avLst/>
+          </a:prstGeom>
+          <a:noFill/>
+        </p:spPr>
+        <p:txBody>
+          <a:bodyPr wrap="square">
+            <a:spAutoFit/>
+          </a:bodyPr>
+          <a:lstStyle/>
+          <a:p>
+            <a:r>
+              <a:rPr lang="en-US" sz="2000" b="1" dirty="0">
+                <a:solidFill>
+                  <a:schemeClr val="accent6">
+                    <a:lumMod val="50000"/>
+                  </a:schemeClr>
+                </a:solidFill>
+                <a:effectLst/>
+                <a:latin typeface="Calibri" panose="020F0502020204030204" pitchFamily="34" charset="0"/>
+                <a:ea typeface="Times New Roman" panose="02020603050405020304" pitchFamily="18" charset="0"/>
+                <a:cs typeface="Calibri" panose="020F0502020204030204" pitchFamily="34" charset="0"/>
+              </a:rPr>
+              <a:t>The </a:t>
+            </a:r>
+            <a:r>
+              <a:rPr lang="en-US" sz="2000" b="1" dirty="0" err="1">
+                <a:solidFill>
+                  <a:schemeClr val="accent6">
+                    <a:lumMod val="50000"/>
+                  </a:schemeClr>
+                </a:solidFill>
+                <a:effectLst/>
+                <a:latin typeface="Calibri" panose="020F0502020204030204" pitchFamily="34" charset="0"/>
+                <a:ea typeface="Times New Roman" panose="02020603050405020304" pitchFamily="18" charset="0"/>
+                <a:cs typeface="Calibri" panose="020F0502020204030204" pitchFamily="34" charset="0"/>
+              </a:rPr>
+              <a:t>Ichimoku</a:t>
+            </a:r>
+            <a:r>
+              <a:rPr lang="en-US" sz="2000" b="1" dirty="0">
+                <a:solidFill>
+                  <a:schemeClr val="accent6">
+                    <a:lumMod val="50000"/>
+                  </a:schemeClr>
+                </a:solidFill>
+                <a:effectLst/>
+                <a:latin typeface="Calibri" panose="020F0502020204030204" pitchFamily="34" charset="0"/>
+                <a:ea typeface="Times New Roman" panose="02020603050405020304" pitchFamily="18" charset="0"/>
+                <a:cs typeface="Calibri" panose="020F0502020204030204" pitchFamily="34" charset="0"/>
+              </a:rPr>
+              <a:t> Cloud Strategy </a:t>
+            </a:r>
+            <a:endParaRPr lang="en-US" sz="2000" dirty="0">
+              <a:solidFill>
+                <a:schemeClr val="accent6">
+                  <a:lumMod val="50000"/>
+                </a:schemeClr>
+              </a:solidFill>
+              <a:latin typeface="Calibri" panose="020F0502020204030204" pitchFamily="34" charset="0"/>
+              <a:cs typeface="Calibri" panose="020F0502020204030204" pitchFamily="34" charset="0"/>
+            </a:endParaRPr>
+          </a:p>
+        </p:txBody>
+      </p:sp>
+      <p:sp>
+        <p:nvSpPr>
+          <p:cNvPr id="9" name="Rectángulo 8">
+            <a:extLst>
+              <a:ext uri="{FF2B5EF4-FFF2-40B4-BE49-F238E27FC236}">
+                <a16:creationId xmlns:a16="http://schemas.microsoft.com/office/drawing/2014/main" id="{AC55C37E-B715-407F-98C2-4DCC50948123}"/>
+              </a:ext>
+            </a:extLst>
+          </p:cNvPr>
+          <p:cNvSpPr/>
+          <p:nvPr/>
+        </p:nvSpPr>
+        <p:spPr>
+          <a:xfrm>
+            <a:off x="3410672" y="105642"/>
+            <a:ext cx="5031363" cy="584775"/>
+          </a:xfrm>
+          <a:prstGeom prst="rect">
+            <a:avLst/>
+          </a:prstGeom>
+          <a:noFill/>
+        </p:spPr>
+        <p:txBody>
+          <a:bodyPr wrap="square" lIns="91440" tIns="45720" rIns="91440" bIns="45720">
+            <a:spAutoFit/>
+          </a:bodyPr>
+          <a:lstStyle/>
+          <a:p>
+            <a:pPr algn="ctr"/>
+            <a:r>
+              <a:rPr lang="es-ES" sz="3200" b="1" dirty="0" err="1">
+                <a:ln w="6600">
+                  <a:solidFill>
+                    <a:schemeClr val="accent6">
+                      <a:lumMod val="75000"/>
+                    </a:schemeClr>
+                  </a:solidFill>
+                  <a:prstDash val="solid"/>
+                </a:ln>
+                <a:solidFill>
+                  <a:srgbClr val="92D050"/>
+                </a:solidFill>
+                <a:effectLst>
+                  <a:innerShdw blurRad="63500" dist="50800">
+                    <a:prstClr val="black">
+                      <a:alpha val="50000"/>
+                    </a:prstClr>
+                  </a:innerShdw>
+                </a:effectLst>
+                <a:latin typeface="DokChampa" panose="020B0502040204020203" pitchFamily="34" charset="-34"/>
+                <a:cs typeface="DokChampa" panose="020B0502040204020203" pitchFamily="34" charset="-34"/>
+              </a:rPr>
+              <a:t>You’ve</a:t>
+            </a:r>
+            <a:r>
+              <a:rPr lang="es-ES" sz="3200" b="1" dirty="0">
+                <a:ln w="6600">
+                  <a:solidFill>
+                    <a:schemeClr val="accent6">
+                      <a:lumMod val="75000"/>
+                    </a:schemeClr>
+                  </a:solidFill>
+                  <a:prstDash val="solid"/>
+                </a:ln>
+                <a:solidFill>
+                  <a:srgbClr val="92D050"/>
+                </a:solidFill>
+                <a:effectLst>
+                  <a:innerShdw blurRad="63500" dist="50800">
+                    <a:prstClr val="black">
+                      <a:alpha val="50000"/>
+                    </a:prstClr>
+                  </a:innerShdw>
+                </a:effectLst>
+                <a:latin typeface="DokChampa" panose="020B0502040204020203" pitchFamily="34" charset="-34"/>
+                <a:cs typeface="DokChampa" panose="020B0502040204020203" pitchFamily="34" charset="-34"/>
+              </a:rPr>
+              <a:t> </a:t>
+            </a:r>
+            <a:r>
+              <a:rPr lang="es-ES" sz="3200" b="1" dirty="0" err="1">
+                <a:ln w="6600">
+                  <a:solidFill>
+                    <a:schemeClr val="accent6">
+                      <a:lumMod val="75000"/>
+                    </a:schemeClr>
+                  </a:solidFill>
+                  <a:prstDash val="solid"/>
+                </a:ln>
+                <a:solidFill>
+                  <a:srgbClr val="92D050"/>
+                </a:solidFill>
+                <a:effectLst>
+                  <a:innerShdw blurRad="63500" dist="50800">
+                    <a:prstClr val="black">
+                      <a:alpha val="50000"/>
+                    </a:prstClr>
+                  </a:innerShdw>
+                </a:effectLst>
+                <a:latin typeface="DokChampa" panose="020B0502040204020203" pitchFamily="34" charset="-34"/>
+                <a:cs typeface="DokChampa" panose="020B0502040204020203" pitchFamily="34" charset="-34"/>
+              </a:rPr>
+              <a:t>got</a:t>
+            </a:r>
+            <a:r>
+              <a:rPr lang="es-ES" sz="3200" b="1" dirty="0">
+                <a:ln w="6600">
+                  <a:solidFill>
+                    <a:schemeClr val="accent6">
+                      <a:lumMod val="75000"/>
+                    </a:schemeClr>
+                  </a:solidFill>
+                  <a:prstDash val="solid"/>
+                </a:ln>
+                <a:solidFill>
+                  <a:srgbClr val="92D050"/>
+                </a:solidFill>
+                <a:effectLst>
+                  <a:innerShdw blurRad="63500" dist="50800">
+                    <a:prstClr val="black">
+                      <a:alpha val="50000"/>
+                    </a:prstClr>
+                  </a:innerShdw>
+                </a:effectLst>
+                <a:latin typeface="DokChampa" panose="020B0502040204020203" pitchFamily="34" charset="-34"/>
+                <a:cs typeface="DokChampa" panose="020B0502040204020203" pitchFamily="34" charset="-34"/>
+              </a:rPr>
+              <a:t> </a:t>
+            </a:r>
+            <a:r>
+              <a:rPr lang="es-ES" sz="3200" b="1" dirty="0" err="1">
+                <a:ln w="6600">
+                  <a:solidFill>
+                    <a:schemeClr val="accent6">
+                      <a:lumMod val="75000"/>
+                    </a:schemeClr>
+                  </a:solidFill>
+                  <a:prstDash val="solid"/>
+                </a:ln>
+                <a:solidFill>
+                  <a:srgbClr val="92D050"/>
+                </a:solidFill>
+                <a:effectLst>
+                  <a:innerShdw blurRad="63500" dist="50800">
+                    <a:prstClr val="black">
+                      <a:alpha val="50000"/>
+                    </a:prstClr>
+                  </a:innerShdw>
+                </a:effectLst>
+                <a:latin typeface="DokChampa" panose="020B0502040204020203" pitchFamily="34" charset="-34"/>
+                <a:cs typeface="DokChampa" panose="020B0502040204020203" pitchFamily="34" charset="-34"/>
+              </a:rPr>
+              <a:t>an</a:t>
+            </a:r>
+            <a:r>
+              <a:rPr lang="es-ES" sz="3200" b="1" dirty="0">
+                <a:ln w="6600">
+                  <a:solidFill>
+                    <a:schemeClr val="accent6">
+                      <a:lumMod val="75000"/>
+                    </a:schemeClr>
+                  </a:solidFill>
+                  <a:prstDash val="solid"/>
+                </a:ln>
+                <a:solidFill>
+                  <a:srgbClr val="92D050"/>
+                </a:solidFill>
+                <a:effectLst>
+                  <a:innerShdw blurRad="63500" dist="50800">
+                    <a:prstClr val="black">
+                      <a:alpha val="50000"/>
+                    </a:prstClr>
+                  </a:innerShdw>
+                </a:effectLst>
+                <a:latin typeface="DokChampa" panose="020B0502040204020203" pitchFamily="34" charset="-34"/>
+                <a:cs typeface="DokChampa" panose="020B0502040204020203" pitchFamily="34" charset="-34"/>
+              </a:rPr>
+              <a:t> </a:t>
+            </a:r>
+            <a:r>
+              <a:rPr lang="es-ES" sz="3200" b="1" dirty="0" err="1">
+                <a:ln w="6600">
+                  <a:solidFill>
+                    <a:schemeClr val="accent6">
+                      <a:lumMod val="75000"/>
+                    </a:schemeClr>
+                  </a:solidFill>
+                  <a:prstDash val="solid"/>
+                </a:ln>
+                <a:solidFill>
+                  <a:srgbClr val="92D050"/>
+                </a:solidFill>
+                <a:effectLst>
+                  <a:innerShdw blurRad="63500" dist="50800">
+                    <a:prstClr val="black">
+                      <a:alpha val="50000"/>
+                    </a:prstClr>
+                  </a:innerShdw>
+                </a:effectLst>
+                <a:latin typeface="DokChampa" panose="020B0502040204020203" pitchFamily="34" charset="-34"/>
+                <a:cs typeface="DokChampa" panose="020B0502040204020203" pitchFamily="34" charset="-34"/>
+              </a:rPr>
+              <a:t>eMail</a:t>
+            </a:r>
+            <a:endParaRPr lang="es-ES" sz="3200" b="1" dirty="0">
+              <a:ln w="6600">
+                <a:solidFill>
+                  <a:schemeClr val="accent6">
+                    <a:lumMod val="75000"/>
+                  </a:schemeClr>
+                </a:solidFill>
+                <a:prstDash val="solid"/>
+              </a:ln>
+              <a:solidFill>
+                <a:srgbClr val="92D050"/>
+              </a:solidFill>
+              <a:effectLst>
+                <a:innerShdw blurRad="63500" dist="50800">
+                  <a:prstClr val="black">
+                    <a:alpha val="50000"/>
+                  </a:prstClr>
+                </a:innerShdw>
+              </a:effectLst>
+              <a:latin typeface="DokChampa" panose="020B0502040204020203" pitchFamily="34" charset="-34"/>
+              <a:cs typeface="DokChampa" panose="020B0502040204020203" pitchFamily="34" charset="-34"/>
+            </a:endParaRPr>
           </a:p>
         </p:txBody>
       </p:sp>
@@ -9525,6 +9989,269 @@
   <p:clrMapOvr>
     <a:masterClrMapping/>
   </p:clrMapOvr>
+  <p:timing>
+    <p:tnLst>
+      <p:par>
+        <p:cTn id="1" dur="indefinite" restart="never" nodeType="tmRoot">
+          <p:childTnLst>
+            <p:seq concurrent="1" nextAc="seek">
+              <p:cTn id="2" dur="indefinite" nodeType="mainSeq">
+                <p:childTnLst>
+                  <p:par>
+                    <p:cTn id="3" fill="hold">
+                      <p:stCondLst>
+                        <p:cond delay="indefinite"/>
+                      </p:stCondLst>
+                      <p:childTnLst>
+                        <p:par>
+                          <p:cTn id="4" fill="hold">
+                            <p:stCondLst>
+                              <p:cond delay="0"/>
+                            </p:stCondLst>
+                            <p:childTnLst>
+                              <p:par>
+                                <p:cTn id="5" presetID="16" presetClass="emph" presetSubtype="0" fill="hold" grpId="0" nodeType="clickEffect">
+                                  <p:stCondLst>
+                                    <p:cond delay="0"/>
+                                  </p:stCondLst>
+                                  <p:iterate type="lt">
+                                    <p:tmPct val="4000"/>
+                                  </p:iterate>
+                                  <p:childTnLst>
+                                    <p:set>
+                                      <p:cBhvr override="childStyle">
+                                        <p:cTn id="6" dur="500" fill="hold"/>
+                                        <p:tgtEl>
+                                          <p:spTgt spid="7"/>
+                                        </p:tgtEl>
+                                        <p:attrNameLst>
+                                          <p:attrName>style.color</p:attrName>
+                                        </p:attrNameLst>
+                                      </p:cBhvr>
+                                      <p:to>
+                                        <p:clrVal>
+                                          <a:schemeClr val="accent2"/>
+                                        </p:clrVal>
+                                      </p:to>
+                                    </p:set>
+                                    <p:set>
+                                      <p:cBhvr>
+                                        <p:cTn id="7" dur="500" fill="hold"/>
+                                        <p:tgtEl>
+                                          <p:spTgt spid="7"/>
+                                        </p:tgtEl>
+                                        <p:attrNameLst>
+                                          <p:attrName>fillcolor</p:attrName>
+                                        </p:attrNameLst>
+                                      </p:cBhvr>
+                                      <p:to>
+                                        <p:clrVal>
+                                          <a:schemeClr val="accent2"/>
+                                        </p:clrVal>
+                                      </p:to>
+                                    </p:set>
+                                    <p:set>
+                                      <p:cBhvr>
+                                        <p:cTn id="8" dur="500" fill="hold"/>
+                                        <p:tgtEl>
+                                          <p:spTgt spid="7"/>
+                                        </p:tgtEl>
+                                        <p:attrNameLst>
+                                          <p:attrName>fill.type</p:attrName>
+                                        </p:attrNameLst>
+                                      </p:cBhvr>
+                                      <p:to>
+                                        <p:strVal val="solid"/>
+                                      </p:to>
+                                    </p:set>
+                                  </p:childTnLst>
+                                </p:cTn>
+                              </p:par>
+                            </p:childTnLst>
+                          </p:cTn>
+                        </p:par>
+                      </p:childTnLst>
+                    </p:cTn>
+                  </p:par>
+                  <p:par>
+                    <p:cTn id="9" fill="hold">
+                      <p:stCondLst>
+                        <p:cond delay="indefinite"/>
+                      </p:stCondLst>
+                      <p:childTnLst>
+                        <p:par>
+                          <p:cTn id="10" fill="hold">
+                            <p:stCondLst>
+                              <p:cond delay="0"/>
+                            </p:stCondLst>
+                            <p:childTnLst>
+                              <p:par>
+                                <p:cTn id="11" presetID="16" presetClass="emph" presetSubtype="0" fill="hold" grpId="0" nodeType="clickEffect">
+                                  <p:stCondLst>
+                                    <p:cond delay="0"/>
+                                  </p:stCondLst>
+                                  <p:iterate type="lt">
+                                    <p:tmPct val="4000"/>
+                                  </p:iterate>
+                                  <p:childTnLst>
+                                    <p:set>
+                                      <p:cBhvr override="childStyle">
+                                        <p:cTn id="12" dur="500" fill="hold"/>
+                                        <p:tgtEl>
+                                          <p:spTgt spid="4"/>
+                                        </p:tgtEl>
+                                        <p:attrNameLst>
+                                          <p:attrName>style.color</p:attrName>
+                                        </p:attrNameLst>
+                                      </p:cBhvr>
+                                      <p:to>
+                                        <p:clrVal>
+                                          <a:srgbClr val="2E75B5"/>
+                                        </p:clrVal>
+                                      </p:to>
+                                    </p:set>
+                                    <p:set>
+                                      <p:cBhvr>
+                                        <p:cTn id="13" dur="500" fill="hold"/>
+                                        <p:tgtEl>
+                                          <p:spTgt spid="4"/>
+                                        </p:tgtEl>
+                                        <p:attrNameLst>
+                                          <p:attrName>fillcolor</p:attrName>
+                                        </p:attrNameLst>
+                                      </p:cBhvr>
+                                      <p:to>
+                                        <p:clrVal>
+                                          <a:srgbClr val="2E75B5"/>
+                                        </p:clrVal>
+                                      </p:to>
+                                    </p:set>
+                                    <p:set>
+                                      <p:cBhvr>
+                                        <p:cTn id="14" dur="500" fill="hold"/>
+                                        <p:tgtEl>
+                                          <p:spTgt spid="4"/>
+                                        </p:tgtEl>
+                                        <p:attrNameLst>
+                                          <p:attrName>fill.type</p:attrName>
+                                        </p:attrNameLst>
+                                      </p:cBhvr>
+                                      <p:to>
+                                        <p:strVal val="solid"/>
+                                      </p:to>
+                                    </p:set>
+                                  </p:childTnLst>
+                                </p:cTn>
+                              </p:par>
+                            </p:childTnLst>
+                          </p:cTn>
+                        </p:par>
+                      </p:childTnLst>
+                    </p:cTn>
+                  </p:par>
+                  <p:par>
+                    <p:cTn id="15" fill="hold">
+                      <p:stCondLst>
+                        <p:cond delay="indefinite"/>
+                      </p:stCondLst>
+                      <p:childTnLst>
+                        <p:par>
+                          <p:cTn id="16" fill="hold">
+                            <p:stCondLst>
+                              <p:cond delay="0"/>
+                            </p:stCondLst>
+                            <p:childTnLst>
+                              <p:par>
+                                <p:cTn id="17" presetID="16" presetClass="emph" presetSubtype="0" fill="hold" grpId="0" nodeType="clickEffect">
+                                  <p:stCondLst>
+                                    <p:cond delay="0"/>
+                                  </p:stCondLst>
+                                  <p:iterate type="lt">
+                                    <p:tmPct val="4000"/>
+                                  </p:iterate>
+                                  <p:childTnLst>
+                                    <p:set>
+                                      <p:cBhvr override="childStyle">
+                                        <p:cTn id="18" dur="500" fill="hold"/>
+                                        <p:tgtEl>
+                                          <p:spTgt spid="8"/>
+                                        </p:tgtEl>
+                                        <p:attrNameLst>
+                                          <p:attrName>style.color</p:attrName>
+                                        </p:attrNameLst>
+                                      </p:cBhvr>
+                                      <p:to>
+                                        <p:clrVal>
+                                          <a:srgbClr val="538135"/>
+                                        </p:clrVal>
+                                      </p:to>
+                                    </p:set>
+                                    <p:set>
+                                      <p:cBhvr>
+                                        <p:cTn id="19" dur="500" fill="hold"/>
+                                        <p:tgtEl>
+                                          <p:spTgt spid="8"/>
+                                        </p:tgtEl>
+                                        <p:attrNameLst>
+                                          <p:attrName>fillcolor</p:attrName>
+                                        </p:attrNameLst>
+                                      </p:cBhvr>
+                                      <p:to>
+                                        <p:clrVal>
+                                          <a:srgbClr val="538135"/>
+                                        </p:clrVal>
+                                      </p:to>
+                                    </p:set>
+                                    <p:set>
+                                      <p:cBhvr>
+                                        <p:cTn id="20" dur="500" fill="hold"/>
+                                        <p:tgtEl>
+                                          <p:spTgt spid="8"/>
+                                        </p:tgtEl>
+                                        <p:attrNameLst>
+                                          <p:attrName>fill.type</p:attrName>
+                                        </p:attrNameLst>
+                                      </p:cBhvr>
+                                      <p:to>
+                                        <p:strVal val="solid"/>
+                                      </p:to>
+                                    </p:set>
+                                  </p:childTnLst>
+                                </p:cTn>
+                              </p:par>
+                            </p:childTnLst>
+                          </p:cTn>
+                        </p:par>
+                      </p:childTnLst>
+                    </p:cTn>
+                  </p:par>
+                </p:childTnLst>
+              </p:cTn>
+              <p:prevCondLst>
+                <p:cond evt="onPrev" delay="0">
+                  <p:tgtEl>
+                    <p:sldTgt/>
+                  </p:tgtEl>
+                </p:cond>
+              </p:prevCondLst>
+              <p:nextCondLst>
+                <p:cond evt="onNext" delay="0">
+                  <p:tgtEl>
+                    <p:sldTgt/>
+                  </p:tgtEl>
+                </p:cond>
+              </p:nextCondLst>
+            </p:seq>
+          </p:childTnLst>
+        </p:cTn>
+      </p:par>
+    </p:tnLst>
+    <p:bldLst>
+      <p:bldP spid="4" grpId="0"/>
+      <p:bldP spid="7" grpId="0"/>
+      <p:bldP spid="8" grpId="0"/>
+    </p:bldLst>
+  </p:timing>
 </p:sld>
 </file>
 
